--- a/SPFx Webinar - SPFx with React - Siddharth Vaghasia.pptx
+++ b/SPFx Webinar - SPFx with React - Siddharth Vaghasia.pptx
@@ -17232,6 +17232,44 @@
           </a:prstGeom>
         </p:spPr>
       </p:pic>
+      <p:sp>
+        <p:nvSpPr>
+          <p:cNvPr id="4" name="TextBox 3">
+            <a:extLst>
+              <a:ext uri="{FF2B5EF4-FFF2-40B4-BE49-F238E27FC236}">
+                <a16:creationId xmlns:a16="http://schemas.microsoft.com/office/drawing/2014/main" id="{327C3388-997A-463A-9A31-69CDEC9DA168}"/>
+              </a:ext>
+            </a:extLst>
+          </p:cNvPr>
+          <p:cNvSpPr txBox="1"/>
+          <p:nvPr/>
+        </p:nvSpPr>
+        <p:spPr>
+          <a:xfrm>
+            <a:off x="10063420" y="1135738"/>
+            <a:ext cx="1647568" cy="369332"/>
+          </a:xfrm>
+          <a:prstGeom prst="rect">
+            <a:avLst/>
+          </a:prstGeom>
+          <a:noFill/>
+        </p:spPr>
+        <p:txBody>
+          <a:bodyPr wrap="square" rtlCol="0">
+            <a:spAutoFit/>
+          </a:bodyPr>
+          <a:lstStyle/>
+          <a:p>
+            <a:r>
+              <a:rPr lang="en-IN" dirty="0">
+                <a:hlinkClick r:id="rId3" action="ppaction://program"/>
+              </a:rPr>
+              <a:t>Go to Project</a:t>
+            </a:r>
+            <a:endParaRPr lang="en-IN" dirty="0"/>
+          </a:p>
+        </p:txBody>
+      </p:sp>
     </p:spTree>
     <p:extLst>
       <p:ext uri="{BB962C8B-B14F-4D97-AF65-F5344CB8AC3E}">
@@ -17806,17 +17844,17 @@
           <a:lstStyle/>
           <a:p>
             <a:r>
-              <a:rPr lang="en-IN"/>
+              <a:rPr lang="en-IN" dirty="0"/>
               <a:t>Uses OOPs concept</a:t>
             </a:r>
           </a:p>
           <a:p>
             <a:r>
-              <a:rPr lang="en-IN"/>
+              <a:rPr lang="en-IN" dirty="0"/>
               <a:t>Should </a:t>
             </a:r>
             <a:r>
-              <a:rPr lang="en-IN">
+              <a:rPr lang="en-IN" dirty="0">
                 <a:solidFill>
                   <a:schemeClr val="accent6">
                     <a:lumMod val="75000"/>
@@ -17826,17 +17864,22 @@
               <a:t>extends</a:t>
             </a:r>
             <a:r>
-              <a:rPr lang="en-IN"/>
-              <a:t> React.Component</a:t>
-            </a:r>
-          </a:p>
-          <a:p>
-            <a:r>
-              <a:rPr lang="en-IN"/>
+              <a:rPr lang="en-IN" dirty="0"/>
+              <a:t> </a:t>
+            </a:r>
+            <a:r>
+              <a:rPr lang="en-IN" dirty="0" err="1"/>
+              <a:t>React.Component</a:t>
+            </a:r>
+            <a:endParaRPr lang="en-IN" dirty="0"/>
+          </a:p>
+          <a:p>
+            <a:r>
+              <a:rPr lang="en-IN" dirty="0"/>
               <a:t>Need to override </a:t>
             </a:r>
             <a:r>
-              <a:rPr lang="en-IN">
+              <a:rPr lang="en-IN" dirty="0">
                 <a:solidFill>
                   <a:schemeClr val="accent2"/>
                 </a:solidFill>
@@ -17844,10 +17887,23 @@
               <a:t>render</a:t>
             </a:r>
             <a:r>
-              <a:rPr lang="en-IN"/>
+              <a:rPr lang="en-IN" dirty="0"/>
               <a:t> method</a:t>
             </a:r>
-            <a:endParaRPr lang="en-IN" dirty="0"/>
+          </a:p>
+          <a:p>
+            <a:r>
+              <a:rPr lang="en-IN" dirty="0"/>
+              <a:t>Should </a:t>
+            </a:r>
+            <a:r>
+              <a:rPr lang="en-IN" dirty="0">
+                <a:solidFill>
+                  <a:srgbClr val="00B0F0"/>
+                </a:solidFill>
+              </a:rPr>
+              <a:t>export</a:t>
+            </a:r>
           </a:p>
         </p:txBody>
       </p:sp>
@@ -17912,10 +17968,10 @@
       </p:pic>
       <p:pic>
         <p:nvPicPr>
-          <p:cNvPr id="7" name="Picture 6">
+          <p:cNvPr id="3" name="Picture 2">
             <a:extLst>
               <a:ext uri="{FF2B5EF4-FFF2-40B4-BE49-F238E27FC236}">
-                <a16:creationId xmlns:a16="http://schemas.microsoft.com/office/drawing/2014/main" id="{5C2669E2-D9BD-4A45-A6BE-3B6251B69125}"/>
+                <a16:creationId xmlns:a16="http://schemas.microsoft.com/office/drawing/2014/main" id="{800E8BD1-19AA-402A-85B4-2C314F6A2B1D}"/>
               </a:ext>
             </a:extLst>
           </p:cNvPr>
@@ -17932,8 +17988,8 @@
         </p:blipFill>
         <p:spPr>
           <a:xfrm>
-            <a:off x="6464404" y="950916"/>
-            <a:ext cx="5218272" cy="2523445"/>
+            <a:off x="6450061" y="823372"/>
+            <a:ext cx="5340732" cy="2605628"/>
           </a:xfrm>
           <a:prstGeom prst="rect">
             <a:avLst/>
@@ -17942,10 +17998,10 @@
       </p:pic>
       <p:pic>
         <p:nvPicPr>
-          <p:cNvPr id="8" name="Picture 7">
+          <p:cNvPr id="5" name="Picture 4">
             <a:extLst>
               <a:ext uri="{FF2B5EF4-FFF2-40B4-BE49-F238E27FC236}">
-                <a16:creationId xmlns:a16="http://schemas.microsoft.com/office/drawing/2014/main" id="{AD5A7F19-6E7B-467A-9979-56C21440A2E1}"/>
+                <a16:creationId xmlns:a16="http://schemas.microsoft.com/office/drawing/2014/main" id="{7EE2BC00-555D-449E-ACBA-319AA0020B36}"/>
               </a:ext>
             </a:extLst>
           </p:cNvPr>
@@ -17962,8 +18018,8 @@
         </p:blipFill>
         <p:spPr>
           <a:xfrm>
-            <a:off x="6464404" y="3800981"/>
-            <a:ext cx="5270973" cy="2265847"/>
+            <a:off x="6450060" y="3586769"/>
+            <a:ext cx="5340731" cy="2471246"/>
           </a:xfrm>
           <a:prstGeom prst="rect">
             <a:avLst/>
@@ -23518,7 +23574,7 @@
                 </a:ln>
                 <a:extLst>
                   <a:ext uri="{91240B29-F687-4f45-9708-019B960494DF}">
-                    <a14:hiddenLine xmlns:a14="http://schemas.microsoft.com/office/drawing/2010/main" xmlns="" w="9525">
+                    <a14:hiddenLine xmlns="" xmlns:a14="http://schemas.microsoft.com/office/drawing/2010/main" w="9525">
                       <a:solidFill>
                         <a:srgbClr val="000000"/>
                       </a:solidFill>
@@ -23740,7 +23796,7 @@
                 </a:ln>
                 <a:extLst>
                   <a:ext uri="{91240B29-F687-4f45-9708-019B960494DF}">
-                    <a14:hiddenLine xmlns:a14="http://schemas.microsoft.com/office/drawing/2010/main" xmlns="" w="9525">
+                    <a14:hiddenLine xmlns="" xmlns:a14="http://schemas.microsoft.com/office/drawing/2010/main" w="9525">
                       <a:solidFill>
                         <a:srgbClr val="000000"/>
                       </a:solidFill>

--- a/SPFx Webinar - SPFx with React - Siddharth Vaghasia.pptx
+++ b/SPFx Webinar - SPFx with React - Siddharth Vaghasia.pptx
@@ -23459,7 +23459,7 @@
                 <a:ea typeface="Roboto Light" panose="02000000000000000000" pitchFamily="2" charset="0"/>
                 <a:cs typeface="Roboto Light"/>
               </a:rPr>
-              <a:t>Technical Consultant – Office 365, SharePoint, .NET</a:t>
+              <a:t>Technical Consultant – M 365, SharePoint, .NET</a:t>
             </a:r>
           </a:p>
           <a:p>
@@ -24768,7 +24768,7 @@
         <p:spPr>
           <a:xfrm>
             <a:off x="841651" y="1906765"/>
-            <a:ext cx="7779835" cy="2390911"/>
+            <a:ext cx="7779835" cy="2889509"/>
           </a:xfrm>
         </p:spPr>
         <p:txBody>
@@ -24777,7 +24777,13 @@
           <a:p>
             <a:r>
               <a:rPr lang="en-US" dirty="0"/>
-              <a:t>Introduction</a:t>
+              <a:t>What is React?</a:t>
+            </a:r>
+          </a:p>
+          <a:p>
+            <a:r>
+              <a:rPr lang="en-US" dirty="0"/>
+              <a:t>Hello world React JS app</a:t>
             </a:r>
           </a:p>
           <a:p>
